--- a/deep_learning_clustering/deliverables/What's the Tea Topic Classification of News Articles.pptx
+++ b/deep_learning_clustering/deliverables/What's the Tea Topic Classification of News Articles.pptx
@@ -10557,11 +10557,11 @@
             </a:pPr>
             <a:r>
               <a:rPr lang="en"/>
-              <a:t>We are pre-processing each text article to remove punctuation, stopwords, lemmatization, and tokenizing into words using the </a:t>
+              <a:t>We are pre-processing each text article to remove stopwords and tokenizing into words using </a:t>
             </a:r>
             <a:r>
               <a:rPr b="1" lang="en"/>
-              <a:t>NLTK library</a:t>
+              <a:t>spaCy</a:t>
             </a:r>
             <a:endParaRPr b="1"/>
           </a:p>
@@ -10806,7 +10806,7 @@
             </a:r>
             <a:r>
               <a:rPr lang="en"/>
-              <a:t> layer to reduce the dimensions without losing meaning representations</a:t>
+              <a:t> layer with a kernel size of 3x3 to reduce the dimensions without losing meaning representations</a:t>
             </a:r>
             <a:endParaRPr/>
           </a:p>
@@ -10834,7 +10834,7 @@
             </a:r>
             <a:r>
               <a:rPr lang="en"/>
-              <a:t> layer to prevent the model from overfitting</a:t>
+              <a:t> layer with a dropout probability of 0.25 to prevent the model from overfitting</a:t>
             </a:r>
             <a:endParaRPr/>
           </a:p>
@@ -10858,11 +10858,7 @@
             </a:r>
             <a:r>
               <a:rPr lang="en"/>
-              <a:t> the input which is passed to the dense layer with </a:t>
-            </a:r>
-            <a:r>
-              <a:rPr b="1" lang="en"/>
-              <a:t>softmax activation</a:t>
+              <a:t> the input which is passed to the 2048x64 dense layer</a:t>
             </a:r>
             <a:endParaRPr b="1"/>
           </a:p>
@@ -11011,7 +11007,7 @@
             </a:r>
             <a:r>
               <a:rPr b="1" lang="en"/>
-              <a:t>CategoricalCrossEntropy</a:t>
+              <a:t>CrossEntropyLoss</a:t>
             </a:r>
             <a:r>
               <a:rPr lang="en"/>
@@ -11273,7 +11269,7 @@
             <a:tbl>
               <a:tblPr>
                 <a:noFill/>
-                <a:tableStyleId>{66AB28A7-047A-4892-B249-F5CAA1929A2E}</a:tableStyleId>
+                <a:tableStyleId>{B3A97285-66EB-4557-B475-30BA61DF52FF}</a:tableStyleId>
               </a:tblPr>
               <a:tblGrid>
                 <a:gridCol w="1152250"/>
@@ -11836,7 +11832,7 @@
             </a:pPr>
             <a:r>
               <a:rPr lang="en"/>
-              <a:t>Graph showing model’s test accuracy vs the number of epochs</a:t>
+              <a:t>Graph showing model’s train accuracy vs the number of epochs</a:t>
             </a:r>
             <a:endParaRPr/>
           </a:p>
@@ -13252,19 +13248,11 @@
             </a:r>
             <a:r>
               <a:rPr b="1" lang="en"/>
-              <a:t>NLTK</a:t>
-            </a:r>
-            <a:r>
-              <a:rPr lang="en"/>
-              <a:t> to remove punctuation, stopwords, lem</a:t>
-            </a:r>
-            <a:r>
-              <a:rPr lang="en"/>
-              <a:t>m</a:t>
-            </a:r>
-            <a:r>
-              <a:rPr lang="en"/>
-              <a:t>atization, and tokenization</a:t>
+              <a:t>spaCy</a:t>
+            </a:r>
+            <a:r>
+              <a:rPr lang="en"/>
+              <a:t> to remove stopwords and for tokenization</a:t>
             </a:r>
             <a:endParaRPr/>
           </a:p>
@@ -13882,15 +13870,11 @@
             </a:r>
             <a:r>
               <a:rPr b="1" lang="en"/>
-              <a:t>ResNet</a:t>
-            </a:r>
-            <a:r>
-              <a:rPr lang="en"/>
-              <a:t> and </a:t>
+              <a:t>B</a:t>
             </a:r>
             <a:r>
               <a:rPr b="1" lang="en"/>
-              <a:t>BiDirectional LSTM</a:t>
+              <a:t>iDirectional LSTM</a:t>
             </a:r>
             <a:endParaRPr b="1"/>
           </a:p>
@@ -14160,31 +14144,6 @@
                   <a:schemeClr val="hlink"/>
                 </a:solidFill>
                 <a:hlinkClick r:id="rId8"/>
-              </a:rPr>
-              <a:t>https://www.nltk.org/</a:t>
-            </a:r>
-            <a:endParaRPr/>
-          </a:p>
-          <a:p>
-            <a:pPr indent="-342900" lvl="0" marL="457200" rtl="0" algn="l">
-              <a:lnSpc>
-                <a:spcPct val="115000"/>
-              </a:lnSpc>
-              <a:spcBef>
-                <a:spcPts val="0"/>
-              </a:spcBef>
-              <a:spcAft>
-                <a:spcPts val="0"/>
-              </a:spcAft>
-              <a:buSzPts val="1800"/>
-              <a:buChar char="●"/>
-            </a:pPr>
-            <a:r>
-              <a:rPr lang="en" u="sng">
-                <a:solidFill>
-                  <a:schemeClr val="hlink"/>
-                </a:solidFill>
-                <a:hlinkClick r:id="rId9"/>
               </a:rPr>
               <a:t>https://spacy.io/</a:t>
             </a:r>
@@ -15228,7 +15187,15 @@
             </a:pPr>
             <a:r>
               <a:rPr lang="en"/>
-              <a:t>Used a pre-trained model (t5_small) to generate the labels for the unlabeled dataset using </a:t>
+              <a:t>Used a pre-trained model (</a:t>
+            </a:r>
+            <a:r>
+              <a:rPr lang="en"/>
+              <a:t>all-MiniLM-L6-v2</a:t>
+            </a:r>
+            <a:r>
+              <a:rPr lang="en"/>
+              <a:t>) to generate the labels for the unlabeled dataset using </a:t>
             </a:r>
             <a:r>
               <a:rPr b="1" lang="en"/>
